--- a/manuscript/Figure3.pptx
+++ b/manuscript/Figure3.pptx
@@ -243,7 +243,7 @@
           <a:p>
             <a:fld id="{90824A45-891D-534F-91DF-C66ED1E2FA88}" type="datetimeFigureOut">
               <a:rPr lang="en-US" smtClean="0"/>
-              <a:t>11/2/21</a:t>
+              <a:t>11/5/21</a:t>
             </a:fld>
             <a:endParaRPr lang="en-US"/>
           </a:p>
@@ -413,7 +413,7 @@
           <a:p>
             <a:fld id="{90824A45-891D-534F-91DF-C66ED1E2FA88}" type="datetimeFigureOut">
               <a:rPr lang="en-US" smtClean="0"/>
-              <a:t>11/2/21</a:t>
+              <a:t>11/5/21</a:t>
             </a:fld>
             <a:endParaRPr lang="en-US"/>
           </a:p>
@@ -593,7 +593,7 @@
           <a:p>
             <a:fld id="{90824A45-891D-534F-91DF-C66ED1E2FA88}" type="datetimeFigureOut">
               <a:rPr lang="en-US" smtClean="0"/>
-              <a:t>11/2/21</a:t>
+              <a:t>11/5/21</a:t>
             </a:fld>
             <a:endParaRPr lang="en-US"/>
           </a:p>
@@ -763,7 +763,7 @@
           <a:p>
             <a:fld id="{90824A45-891D-534F-91DF-C66ED1E2FA88}" type="datetimeFigureOut">
               <a:rPr lang="en-US" smtClean="0"/>
-              <a:t>11/2/21</a:t>
+              <a:t>11/5/21</a:t>
             </a:fld>
             <a:endParaRPr lang="en-US"/>
           </a:p>
@@ -1007,7 +1007,7 @@
           <a:p>
             <a:fld id="{90824A45-891D-534F-91DF-C66ED1E2FA88}" type="datetimeFigureOut">
               <a:rPr lang="en-US" smtClean="0"/>
-              <a:t>11/2/21</a:t>
+              <a:t>11/5/21</a:t>
             </a:fld>
             <a:endParaRPr lang="en-US"/>
           </a:p>
@@ -1239,7 +1239,7 @@
           <a:p>
             <a:fld id="{90824A45-891D-534F-91DF-C66ED1E2FA88}" type="datetimeFigureOut">
               <a:rPr lang="en-US" smtClean="0"/>
-              <a:t>11/2/21</a:t>
+              <a:t>11/5/21</a:t>
             </a:fld>
             <a:endParaRPr lang="en-US"/>
           </a:p>
@@ -1606,7 +1606,7 @@
           <a:p>
             <a:fld id="{90824A45-891D-534F-91DF-C66ED1E2FA88}" type="datetimeFigureOut">
               <a:rPr lang="en-US" smtClean="0"/>
-              <a:t>11/2/21</a:t>
+              <a:t>11/5/21</a:t>
             </a:fld>
             <a:endParaRPr lang="en-US"/>
           </a:p>
@@ -1724,7 +1724,7 @@
           <a:p>
             <a:fld id="{90824A45-891D-534F-91DF-C66ED1E2FA88}" type="datetimeFigureOut">
               <a:rPr lang="en-US" smtClean="0"/>
-              <a:t>11/2/21</a:t>
+              <a:t>11/5/21</a:t>
             </a:fld>
             <a:endParaRPr lang="en-US"/>
           </a:p>
@@ -1819,7 +1819,7 @@
           <a:p>
             <a:fld id="{90824A45-891D-534F-91DF-C66ED1E2FA88}" type="datetimeFigureOut">
               <a:rPr lang="en-US" smtClean="0"/>
-              <a:t>11/2/21</a:t>
+              <a:t>11/5/21</a:t>
             </a:fld>
             <a:endParaRPr lang="en-US"/>
           </a:p>
@@ -2096,7 +2096,7 @@
           <a:p>
             <a:fld id="{90824A45-891D-534F-91DF-C66ED1E2FA88}" type="datetimeFigureOut">
               <a:rPr lang="en-US" smtClean="0"/>
-              <a:t>11/2/21</a:t>
+              <a:t>11/5/21</a:t>
             </a:fld>
             <a:endParaRPr lang="en-US"/>
           </a:p>
@@ -2353,7 +2353,7 @@
           <a:p>
             <a:fld id="{90824A45-891D-534F-91DF-C66ED1E2FA88}" type="datetimeFigureOut">
               <a:rPr lang="en-US" smtClean="0"/>
-              <a:t>11/2/21</a:t>
+              <a:t>11/5/21</a:t>
             </a:fld>
             <a:endParaRPr lang="en-US"/>
           </a:p>
@@ -2566,7 +2566,7 @@
           <a:p>
             <a:fld id="{90824A45-891D-534F-91DF-C66ED1E2FA88}" type="datetimeFigureOut">
               <a:rPr lang="en-US" smtClean="0"/>
-              <a:t>11/2/21</a:t>
+              <a:t>11/5/21</a:t>
             </a:fld>
             <a:endParaRPr lang="en-US"/>
           </a:p>
@@ -2973,10 +2973,40 @@
       </p:grpSpPr>
       <p:pic>
         <p:nvPicPr>
-          <p:cNvPr id="27" name="Picture 26">
+          <p:cNvPr id="4" name="Picture 3">
             <a:extLst>
               <a:ext uri="{FF2B5EF4-FFF2-40B4-BE49-F238E27FC236}">
-                <a16:creationId xmlns:a16="http://schemas.microsoft.com/office/drawing/2014/main" id="{6960D5EB-740B-0544-BD14-FA9B22652384}"/>
+                <a16:creationId xmlns:a16="http://schemas.microsoft.com/office/drawing/2014/main" id="{939E0085-44DE-4748-B762-4A40E3C3909D}"/>
+              </a:ext>
+            </a:extLst>
+          </p:cNvPr>
+          <p:cNvPicPr>
+            <a:picLocks noChangeAspect="1"/>
+          </p:cNvPicPr>
+          <p:nvPr/>
+        </p:nvPicPr>
+        <p:blipFill>
+          <a:blip r:embed="rId2"/>
+          <a:stretch>
+            <a:fillRect/>
+          </a:stretch>
+        </p:blipFill>
+        <p:spPr>
+          <a:xfrm>
+            <a:off x="3043666" y="342396"/>
+            <a:ext cx="3416674" cy="2440482"/>
+          </a:xfrm>
+          <a:prstGeom prst="rect">
+            <a:avLst/>
+          </a:prstGeom>
+        </p:spPr>
+      </p:pic>
+      <p:pic>
+        <p:nvPicPr>
+          <p:cNvPr id="7" name="Picture 6">
+            <a:extLst>
+              <a:ext uri="{FF2B5EF4-FFF2-40B4-BE49-F238E27FC236}">
+                <a16:creationId xmlns:a16="http://schemas.microsoft.com/office/drawing/2014/main" id="{EAD340A7-EAA1-8A49-BBB7-4FF42E8B8F72}"/>
               </a:ext>
             </a:extLst>
           </p:cNvPr>
@@ -2986,44 +3016,14 @@
           <p:nvPr/>
         </p:nvPicPr>
         <p:blipFill rotWithShape="1">
-          <a:blip r:embed="rId2"/>
-          <a:srcRect r="15093"/>
+          <a:blip r:embed="rId3"/>
+          <a:srcRect r="16287"/>
           <a:stretch/>
         </p:blipFill>
         <p:spPr>
           <a:xfrm>
-            <a:off x="97955" y="356832"/>
-            <a:ext cx="2899217" cy="2439006"/>
-          </a:xfrm>
-          <a:prstGeom prst="rect">
-            <a:avLst/>
-          </a:prstGeom>
-        </p:spPr>
-      </p:pic>
-      <p:pic>
-        <p:nvPicPr>
-          <p:cNvPr id="30" name="Picture 29">
-            <a:extLst>
-              <a:ext uri="{FF2B5EF4-FFF2-40B4-BE49-F238E27FC236}">
-                <a16:creationId xmlns:a16="http://schemas.microsoft.com/office/drawing/2014/main" id="{DF3C8B9F-BE2C-024A-9E59-CF9A9AE0F9BD}"/>
-              </a:ext>
-            </a:extLst>
-          </p:cNvPr>
-          <p:cNvPicPr>
-            <a:picLocks noChangeAspect="1"/>
-          </p:cNvPicPr>
-          <p:nvPr/>
-        </p:nvPicPr>
-        <p:blipFill>
-          <a:blip r:embed="rId3"/>
-          <a:stretch>
-            <a:fillRect/>
-          </a:stretch>
-        </p:blipFill>
-        <p:spPr>
-          <a:xfrm>
-            <a:off x="3065567" y="369894"/>
-            <a:ext cx="3414608" cy="2439006"/>
+            <a:off x="81331" y="350468"/>
+            <a:ext cx="2860207" cy="2440481"/>
           </a:xfrm>
           <a:prstGeom prst="rect">
             <a:avLst/>
@@ -3045,13 +3045,13 @@
           <p:nvPr>
             <p:extLst>
               <p:ext uri="{D42A27DB-BD31-4B8C-83A1-F6EECF244321}">
-                <p14:modId xmlns:p14="http://schemas.microsoft.com/office/powerpoint/2010/main" val="285874870"/>
+                <p14:modId xmlns:p14="http://schemas.microsoft.com/office/powerpoint/2010/main" val="302627315"/>
               </p:ext>
             </p:extLst>
           </p:nvPr>
         </p:nvGraphicFramePr>
         <p:xfrm>
-          <a:off x="301447" y="2819100"/>
+          <a:off x="3404140" y="2815921"/>
           <a:ext cx="2695725" cy="1508760"/>
         </p:xfrm>
         <a:graphic>
@@ -3315,7 +3315,7 @@
                           <a:latin typeface="Arial" panose="020B0604020202020204" pitchFamily="34" charset="0"/>
                           <a:cs typeface="Arial" panose="020B0604020202020204" pitchFamily="34" charset="0"/>
                         </a:rPr>
-                        <a:t>M</a:t>
+                        <a:t>U</a:t>
                       </a:r>
                     </a:p>
                   </a:txBody>
@@ -3334,7 +3334,7 @@
                           <a:latin typeface="Arial" panose="020B0604020202020204" pitchFamily="34" charset="0"/>
                           <a:cs typeface="Arial" panose="020B0604020202020204" pitchFamily="34" charset="0"/>
                         </a:rPr>
-                        <a:t>55</a:t>
+                        <a:t>7</a:t>
                       </a:r>
                     </a:p>
                   </a:txBody>
@@ -3353,7 +3353,7 @@
                           <a:latin typeface="Arial" panose="020B0604020202020204" pitchFamily="34" charset="0"/>
                           <a:cs typeface="Arial" panose="020B0604020202020204" pitchFamily="34" charset="0"/>
                         </a:rPr>
-                        <a:t>5</a:t>
+                        <a:t>48</a:t>
                       </a:r>
                     </a:p>
                   </a:txBody>
@@ -3363,7 +3363,7 @@
                 </a:tc>
                 <a:extLst>
                   <a:ext uri="{0D108BD9-81ED-4DB2-BD59-A6C34878D82A}">
-                    <a16:rowId xmlns:a16="http://schemas.microsoft.com/office/drawing/2014/main" val="1070616622"/>
+                    <a16:rowId xmlns:a16="http://schemas.microsoft.com/office/drawing/2014/main" val="1186749714"/>
                   </a:ext>
                 </a:extLst>
               </a:tr>
@@ -3379,7 +3379,7 @@
                           <a:latin typeface="Arial" panose="020B0604020202020204" pitchFamily="34" charset="0"/>
                           <a:cs typeface="Arial" panose="020B0604020202020204" pitchFamily="34" charset="0"/>
                         </a:rPr>
-                        <a:t>U</a:t>
+                        <a:t>M</a:t>
                       </a:r>
                     </a:p>
                   </a:txBody>
@@ -3407,7 +3407,7 @@
                           <a:latin typeface="Arial" panose="020B0604020202020204" pitchFamily="34" charset="0"/>
                           <a:cs typeface="Arial" panose="020B0604020202020204" pitchFamily="34" charset="0"/>
                         </a:rPr>
-                        <a:t>7</a:t>
+                        <a:t>55</a:t>
                       </a:r>
                     </a:p>
                   </a:txBody>
@@ -3435,7 +3435,7 @@
                           <a:latin typeface="Arial" panose="020B0604020202020204" pitchFamily="34" charset="0"/>
                           <a:cs typeface="Arial" panose="020B0604020202020204" pitchFamily="34" charset="0"/>
                         </a:rPr>
-                        <a:t>48</a:t>
+                        <a:t>5</a:t>
                       </a:r>
                     </a:p>
                   </a:txBody>
@@ -3454,7 +3454,7 @@
                 </a:tc>
                 <a:extLst>
                   <a:ext uri="{0D108BD9-81ED-4DB2-BD59-A6C34878D82A}">
-                    <a16:rowId xmlns:a16="http://schemas.microsoft.com/office/drawing/2014/main" val="1186749714"/>
+                    <a16:rowId xmlns:a16="http://schemas.microsoft.com/office/drawing/2014/main" val="3415155350"/>
                   </a:ext>
                 </a:extLst>
               </a:tr>
@@ -3648,13 +3648,13 @@
           <p:nvPr>
             <p:extLst>
               <p:ext uri="{D42A27DB-BD31-4B8C-83A1-F6EECF244321}">
-                <p14:modId xmlns:p14="http://schemas.microsoft.com/office/powerpoint/2010/main" val="2217541570"/>
+                <p14:modId xmlns:p14="http://schemas.microsoft.com/office/powerpoint/2010/main" val="3903336933"/>
               </p:ext>
             </p:extLst>
           </p:nvPr>
         </p:nvGraphicFramePr>
         <p:xfrm>
-          <a:off x="3403756" y="2823609"/>
+          <a:off x="351027" y="2816045"/>
           <a:ext cx="2695725" cy="1508760"/>
         </p:xfrm>
         <a:graphic>
@@ -3918,7 +3918,7 @@
                           <a:latin typeface="Arial" panose="020B0604020202020204" pitchFamily="34" charset="0"/>
                           <a:cs typeface="Arial" panose="020B0604020202020204" pitchFamily="34" charset="0"/>
                         </a:rPr>
-                        <a:t>M</a:t>
+                        <a:t>U</a:t>
                       </a:r>
                     </a:p>
                   </a:txBody>
@@ -3937,7 +3937,7 @@
                           <a:latin typeface="Arial" panose="020B0604020202020204" pitchFamily="34" charset="0"/>
                           <a:cs typeface="Arial" panose="020B0604020202020204" pitchFamily="34" charset="0"/>
                         </a:rPr>
-                        <a:t>47</a:t>
+                        <a:t>22</a:t>
                       </a:r>
                     </a:p>
                   </a:txBody>
@@ -3956,7 +3956,7 @@
                           <a:latin typeface="Arial" panose="020B0604020202020204" pitchFamily="34" charset="0"/>
                           <a:cs typeface="Arial" panose="020B0604020202020204" pitchFamily="34" charset="0"/>
                         </a:rPr>
-                        <a:t>13</a:t>
+                        <a:t>33</a:t>
                       </a:r>
                     </a:p>
                   </a:txBody>
@@ -3966,7 +3966,7 @@
                 </a:tc>
                 <a:extLst>
                   <a:ext uri="{0D108BD9-81ED-4DB2-BD59-A6C34878D82A}">
-                    <a16:rowId xmlns:a16="http://schemas.microsoft.com/office/drawing/2014/main" val="1070616622"/>
+                    <a16:rowId xmlns:a16="http://schemas.microsoft.com/office/drawing/2014/main" val="1186749714"/>
                   </a:ext>
                 </a:extLst>
               </a:tr>
@@ -3982,7 +3982,7 @@
                           <a:latin typeface="Arial" panose="020B0604020202020204" pitchFamily="34" charset="0"/>
                           <a:cs typeface="Arial" panose="020B0604020202020204" pitchFamily="34" charset="0"/>
                         </a:rPr>
-                        <a:t>U</a:t>
+                        <a:t>M</a:t>
                       </a:r>
                     </a:p>
                   </a:txBody>
@@ -4010,7 +4010,7 @@
                           <a:latin typeface="Arial" panose="020B0604020202020204" pitchFamily="34" charset="0"/>
                           <a:cs typeface="Arial" panose="020B0604020202020204" pitchFamily="34" charset="0"/>
                         </a:rPr>
-                        <a:t>22</a:t>
+                        <a:t>47</a:t>
                       </a:r>
                     </a:p>
                   </a:txBody>
@@ -4038,7 +4038,7 @@
                           <a:latin typeface="Arial" panose="020B0604020202020204" pitchFamily="34" charset="0"/>
                           <a:cs typeface="Arial" panose="020B0604020202020204" pitchFamily="34" charset="0"/>
                         </a:rPr>
-                        <a:t>33</a:t>
+                        <a:t>13</a:t>
                       </a:r>
                     </a:p>
                   </a:txBody>
@@ -4057,7 +4057,7 @@
                 </a:tc>
                 <a:extLst>
                   <a:ext uri="{0D108BD9-81ED-4DB2-BD59-A6C34878D82A}">
-                    <a16:rowId xmlns:a16="http://schemas.microsoft.com/office/drawing/2014/main" val="1186749714"/>
+                    <a16:rowId xmlns:a16="http://schemas.microsoft.com/office/drawing/2014/main" val="157806363"/>
                   </a:ext>
                 </a:extLst>
               </a:tr>
@@ -4067,10 +4067,10 @@
       </p:graphicFrame>
       <p:pic>
         <p:nvPicPr>
-          <p:cNvPr id="3" name="Picture 2">
+          <p:cNvPr id="5" name="Picture 4">
             <a:extLst>
               <a:ext uri="{FF2B5EF4-FFF2-40B4-BE49-F238E27FC236}">
-                <a16:creationId xmlns:a16="http://schemas.microsoft.com/office/drawing/2014/main" id="{06A0DE3A-0277-D74A-A809-43A49B9E537D}"/>
+                <a16:creationId xmlns:a16="http://schemas.microsoft.com/office/drawing/2014/main" id="{51818C58-7129-E54F-8277-9B9B1B5C007F}"/>
               </a:ext>
             </a:extLst>
           </p:cNvPr>
@@ -4087,8 +4087,8 @@
         </p:blipFill>
         <p:spPr>
           <a:xfrm>
-            <a:off x="301447" y="4448178"/>
-            <a:ext cx="5024143" cy="2512072"/>
+            <a:off x="0" y="7076059"/>
+            <a:ext cx="6480175" cy="1728047"/>
           </a:xfrm>
           <a:prstGeom prst="rect">
             <a:avLst/>
@@ -4097,10 +4097,10 @@
       </p:pic>
       <p:pic>
         <p:nvPicPr>
-          <p:cNvPr id="5" name="Picture 4">
+          <p:cNvPr id="9" name="Picture 8">
             <a:extLst>
               <a:ext uri="{FF2B5EF4-FFF2-40B4-BE49-F238E27FC236}">
-                <a16:creationId xmlns:a16="http://schemas.microsoft.com/office/drawing/2014/main" id="{51818C58-7129-E54F-8277-9B9B1B5C007F}"/>
+                <a16:creationId xmlns:a16="http://schemas.microsoft.com/office/drawing/2014/main" id="{4FE118E2-8829-1F42-88BF-68E93EF109CA}"/>
               </a:ext>
             </a:extLst>
           </p:cNvPr>
@@ -4117,8 +4117,8 @@
         </p:blipFill>
         <p:spPr>
           <a:xfrm>
-            <a:off x="0" y="7076059"/>
-            <a:ext cx="6480175" cy="1728047"/>
+            <a:off x="460249" y="4454963"/>
+            <a:ext cx="4981627" cy="2490814"/>
           </a:xfrm>
           <a:prstGeom prst="rect">
             <a:avLst/>
